--- a/Documents/JamppaMaalla.pptx
+++ b/Documents/JamppaMaalla.pptx
@@ -5,10 +5,10 @@
     <p:sldMasterId id="2147483696" r:id="rId1"/>
   </p:sldMasterIdLst>
   <p:notesMasterIdLst>
-    <p:notesMasterId r:id="rId22"/>
+    <p:notesMasterId r:id="rId23"/>
   </p:notesMasterIdLst>
   <p:handoutMasterIdLst>
-    <p:handoutMasterId r:id="rId23"/>
+    <p:handoutMasterId r:id="rId24"/>
   </p:handoutMasterIdLst>
   <p:sldIdLst>
     <p:sldId id="257" r:id="rId2"/>
@@ -31,6 +31,7 @@
     <p:sldId id="269" r:id="rId19"/>
     <p:sldId id="276" r:id="rId20"/>
     <p:sldId id="277" r:id="rId21"/>
+    <p:sldId id="278" r:id="rId22"/>
   </p:sldIdLst>
   <p:sldSz cx="12192000" cy="6858000"/>
   <p:notesSz cx="6858000" cy="9144000"/>
@@ -8046,6 +8047,140 @@
     <p:extLst>
       <p:ext uri="{BB962C8B-B14F-4D97-AF65-F5344CB8AC3E}">
         <p14:creationId xmlns:p14="http://schemas.microsoft.com/office/powerpoint/2010/main" val="2660322100"/>
+      </p:ext>
+    </p:extLst>
+  </p:cSld>
+  <p:clrMapOvr>
+    <a:masterClrMapping/>
+  </p:clrMapOvr>
+  <mc:AlternateContent xmlns:mc="http://schemas.openxmlformats.org/markup-compatibility/2006" xmlns:p14="http://schemas.microsoft.com/office/powerpoint/2010/main">
+    <mc:Choice Requires="p14">
+      <p:transition spd="med" p14:dur="700">
+        <p:fade/>
+      </p:transition>
+    </mc:Choice>
+    <mc:Fallback xmlns="">
+      <p:transition spd="med">
+        <p:fade/>
+      </p:transition>
+    </mc:Fallback>
+  </mc:AlternateContent>
+</p:sld>
+</file>
+
+<file path=ppt/slides/slide21.xml><?xml version="1.0" encoding="utf-8"?>
+<p:sld xmlns:a="http://schemas.openxmlformats.org/drawingml/2006/main" xmlns:r="http://schemas.openxmlformats.org/officeDocument/2006/relationships" xmlns:p="http://schemas.openxmlformats.org/presentationml/2006/main">
+  <p:cSld>
+    <p:spTree>
+      <p:nvGrpSpPr>
+        <p:cNvPr id="1" name=""/>
+        <p:cNvGrpSpPr/>
+        <p:nvPr/>
+      </p:nvGrpSpPr>
+      <p:grpSpPr>
+        <a:xfrm>
+          <a:off x="0" y="0"/>
+          <a:ext cx="0" cy="0"/>
+          <a:chOff x="0" y="0"/>
+          <a:chExt cx="0" cy="0"/>
+        </a:xfrm>
+      </p:grpSpPr>
+      <p:sp>
+        <p:nvSpPr>
+          <p:cNvPr id="2" name="Title 1"/>
+          <p:cNvSpPr>
+            <a:spLocks noGrp="1"/>
+          </p:cNvSpPr>
+          <p:nvPr>
+            <p:ph type="title"/>
+          </p:nvPr>
+        </p:nvSpPr>
+        <p:spPr/>
+        <p:txBody>
+          <a:bodyPr/>
+          <a:lstStyle/>
+          <a:p>
+            <a:r>
+              <a:rPr lang="en-US" dirty="0"/>
+              <a:t>https://github.com/K5680/JM</a:t>
+            </a:r>
+          </a:p>
+        </p:txBody>
+      </p:sp>
+      <p:sp>
+        <p:nvSpPr>
+          <p:cNvPr id="3" name="Content Placeholder 2"/>
+          <p:cNvSpPr>
+            <a:spLocks noGrp="1"/>
+          </p:cNvSpPr>
+          <p:nvPr>
+            <p:ph idx="1"/>
+          </p:nvPr>
+        </p:nvSpPr>
+        <p:spPr>
+          <a:xfrm>
+            <a:off x="609600" y="2351314"/>
+            <a:ext cx="10972800" cy="4223221"/>
+          </a:xfrm>
+        </p:spPr>
+        <p:txBody>
+          <a:bodyPr/>
+          <a:lstStyle/>
+          <a:p>
+            <a:pPr marL="109728" indent="0">
+              <a:buNone/>
+            </a:pPr>
+            <a:r>
+              <a:rPr lang="fi-FI" dirty="0" smtClean="0"/>
+              <a:t>Valmis peli:</a:t>
+            </a:r>
+            <a:endParaRPr lang="en-US" dirty="0" smtClean="0"/>
+          </a:p>
+          <a:p>
+            <a:pPr marL="109728" indent="0">
+              <a:buNone/>
+            </a:pPr>
+            <a:r>
+              <a:rPr lang="en-US" dirty="0" smtClean="0"/>
+              <a:t>Documents -&gt; </a:t>
+            </a:r>
+            <a:r>
+              <a:rPr lang="en-US" dirty="0" err="1" smtClean="0"/>
+              <a:t>JamppaMaalla.apk</a:t>
+            </a:r>
+            <a:endParaRPr lang="en-US" dirty="0" smtClean="0"/>
+          </a:p>
+          <a:p>
+            <a:pPr marL="109728" indent="0">
+              <a:buNone/>
+            </a:pPr>
+            <a:endParaRPr lang="fi-FI" dirty="0" smtClean="0"/>
+          </a:p>
+          <a:p>
+            <a:pPr marL="109728" indent="0">
+              <a:buNone/>
+            </a:pPr>
+            <a:r>
+              <a:rPr lang="fi-FI" dirty="0" smtClean="0"/>
+              <a:t>Dokumentointi:</a:t>
+            </a:r>
+            <a:endParaRPr lang="fi-FI" dirty="0"/>
+          </a:p>
+          <a:p>
+            <a:pPr marL="109728" indent="0">
+              <a:buNone/>
+            </a:pPr>
+            <a:r>
+              <a:rPr lang="en-US" dirty="0"/>
+              <a:t>https://github.com/K5680/JM/wiki</a:t>
+            </a:r>
+          </a:p>
+        </p:txBody>
+      </p:sp>
+    </p:spTree>
+    <p:extLst>
+      <p:ext uri="{BB962C8B-B14F-4D97-AF65-F5344CB8AC3E}">
+        <p14:creationId xmlns:p14="http://schemas.microsoft.com/office/powerpoint/2010/main" val="4278488626"/>
       </p:ext>
     </p:extLst>
   </p:cSld>

--- a/Documents/JamppaMaalla.pptx
+++ b/Documents/JamppaMaalla.pptx
@@ -5759,7 +5759,7 @@
         <p:spPr>
           <a:xfrm>
             <a:off x="408214" y="1169344"/>
-            <a:ext cx="7946571" cy="2373520"/>
+            <a:ext cx="7946571" cy="2553570"/>
           </a:xfrm>
         </p:spPr>
         <p:txBody>
@@ -5834,9 +5834,6 @@
             <a:endParaRPr lang="en-US" dirty="0"/>
           </a:p>
           <a:p>
-            <a:endParaRPr lang="en-US" dirty="0"/>
-          </a:p>
-          <a:p>
             <a:pPr marL="109728" indent="0">
               <a:buNone/>
             </a:pPr>
@@ -5881,15 +5878,76 @@
             <a:pPr marL="109728" indent="0">
               <a:buNone/>
             </a:pPr>
-            <a:endParaRPr lang="fi-FI" dirty="0"/>
-          </a:p>
-          <a:p>
-            <a:pPr marL="109728" indent="0">
-              <a:buNone/>
-            </a:pPr>
             <a:r>
               <a:rPr lang="fi-FI" dirty="0" smtClean="0"/>
               <a:t>…</a:t>
+            </a:r>
+          </a:p>
+          <a:p>
+            <a:pPr marL="109728" indent="0">
+              <a:buNone/>
+            </a:pPr>
+            <a:r>
+              <a:rPr lang="en-US" dirty="0" err="1"/>
+              <a:t>walkAnimation</a:t>
+            </a:r>
+            <a:r>
+              <a:rPr lang="en-US" dirty="0"/>
+              <a:t> = new Animation&lt;</a:t>
+            </a:r>
+            <a:r>
+              <a:rPr lang="en-US" dirty="0" err="1"/>
+              <a:t>TextureRegion</a:t>
+            </a:r>
+            <a:r>
+              <a:rPr lang="en-US" dirty="0"/>
+              <a:t>&gt;(0.1f, </a:t>
+            </a:r>
+            <a:r>
+              <a:rPr lang="en-US" dirty="0" err="1"/>
+              <a:t>walkFrames</a:t>
+            </a:r>
+            <a:r>
+              <a:rPr lang="en-US" dirty="0"/>
+              <a:t>);</a:t>
+            </a:r>
+            <a:endParaRPr lang="fi-FI" dirty="0" smtClean="0"/>
+          </a:p>
+          <a:p>
+            <a:pPr marL="109728" indent="0">
+              <a:buNone/>
+            </a:pPr>
+            <a:r>
+              <a:rPr lang="en-US" dirty="0" err="1" smtClean="0"/>
+              <a:t>TextureRegion</a:t>
+            </a:r>
+            <a:r>
+              <a:rPr lang="en-US" dirty="0" smtClean="0"/>
+              <a:t> </a:t>
+            </a:r>
+            <a:r>
+              <a:rPr lang="en-US" dirty="0" err="1"/>
+              <a:t>jamppaKuva</a:t>
+            </a:r>
+            <a:r>
+              <a:rPr lang="en-US" dirty="0"/>
+              <a:t> = </a:t>
+            </a:r>
+            <a:r>
+              <a:rPr lang="en-US" dirty="0" err="1"/>
+              <a:t>walkAnimation.getKeyFrame</a:t>
+            </a:r>
+            <a:r>
+              <a:rPr lang="en-US" dirty="0"/>
+              <a:t>(</a:t>
+            </a:r>
+            <a:r>
+              <a:rPr lang="en-US" dirty="0" err="1"/>
+              <a:t>stateTime</a:t>
+            </a:r>
+            <a:r>
+              <a:rPr lang="en-US" dirty="0"/>
+              <a:t>, true);</a:t>
             </a:r>
             <a:endParaRPr lang="en-US" dirty="0"/>
           </a:p>
@@ -5937,7 +5995,7 @@
         </p:nvSpPr>
         <p:spPr>
           <a:xfrm>
-            <a:off x="408214" y="3871124"/>
+            <a:off x="408214" y="4249947"/>
             <a:ext cx="10972800" cy="2056368"/>
           </a:xfrm>
         </p:spPr>
